--- a/IoT/Aula 00 - Aula Magna e Orientações/Aula 00 - Aula Magna e Orientações v1.pptx
+++ b/IoT/Aula 00 - Aula Magna e Orientações/Aula 00 - Aula Magna e Orientações v1.pptx
@@ -217,7 +217,7 @@
             <a:fld id="{4EA5E1ED-E65E-440E-8A4B-5F5DC973F797}" type="datetimeFigureOut">
               <a:rPr lang="pt-BR" smtClean="0"/>
               <a:pPr/>
-              <a:t>17/06/2023</a:t>
+              <a:t>26/07/2023</a:t>
             </a:fld>
             <a:endParaRPr lang="pt-BR"/>
           </a:p>
@@ -634,7 +634,7 @@
           <a:p>
             <a:fld id="{1787AD07-0C2A-424C-83EF-FCCF4A0D3BA0}" type="datetime1">
               <a:rPr lang="pt-BR" smtClean="0"/>
-              <a:t>17/06/2023</a:t>
+              <a:t>26/07/2023</a:t>
             </a:fld>
             <a:endParaRPr lang="pt-BR"/>
           </a:p>
@@ -803,7 +803,7 @@
           <a:p>
             <a:fld id="{2F92FB66-59C8-46A5-AD82-5DAAFD2DC390}" type="datetime1">
               <a:rPr lang="pt-BR" smtClean="0"/>
-              <a:t>17/06/2023</a:t>
+              <a:t>26/07/2023</a:t>
             </a:fld>
             <a:endParaRPr lang="pt-BR"/>
           </a:p>
@@ -982,7 +982,7 @@
           <a:p>
             <a:fld id="{3D5CC8D2-C61E-4471-AD68-1C0D45A8EAFC}" type="datetime1">
               <a:rPr lang="pt-BR" smtClean="0"/>
-              <a:t>17/06/2023</a:t>
+              <a:t>26/07/2023</a:t>
             </a:fld>
             <a:endParaRPr lang="pt-BR"/>
           </a:p>
@@ -1125,7 +1125,7 @@
           <a:p>
             <a:fld id="{C3E38981-C08A-4A29-B885-392FB4EE0709}" type="datetime1">
               <a:rPr lang="pt-BR" smtClean="0"/>
-              <a:t>17/06/2023</a:t>
+              <a:t>26/07/2023</a:t>
             </a:fld>
             <a:endParaRPr lang="en-US" dirty="0"/>
           </a:p>
@@ -1510,7 +1510,7 @@
           <a:p>
             <a:fld id="{2CFE63D7-5B4A-40A4-8FD4-EA63D1010EB7}" type="datetime1">
               <a:rPr lang="pt-BR" smtClean="0"/>
-              <a:t>17/06/2023</a:t>
+              <a:t>26/07/2023</a:t>
             </a:fld>
             <a:endParaRPr lang="en-US" dirty="0"/>
           </a:p>
@@ -1732,7 +1732,7 @@
           <a:p>
             <a:fld id="{A9719147-5557-4D76-A2C3-BF25882771D2}" type="datetime1">
               <a:rPr lang="pt-BR" smtClean="0"/>
-              <a:t>17/06/2023</a:t>
+              <a:t>26/07/2023</a:t>
             </a:fld>
             <a:endParaRPr lang="en-US" dirty="0"/>
           </a:p>
@@ -2045,7 +2045,7 @@
           <a:p>
             <a:fld id="{66250340-7104-44A8-88A9-88532CCE9C1C}" type="datetime1">
               <a:rPr lang="pt-BR" smtClean="0"/>
-              <a:t>17/06/2023</a:t>
+              <a:t>26/07/2023</a:t>
             </a:fld>
             <a:endParaRPr lang="en-US" dirty="0"/>
           </a:p>
@@ -2230,7 +2230,7 @@
           <a:p>
             <a:fld id="{D047EA32-7810-48BE-A9BB-EA3D8AA5AD34}" type="datetime1">
               <a:rPr lang="pt-BR" smtClean="0"/>
-              <a:t>17/06/2023</a:t>
+              <a:t>26/07/2023</a:t>
             </a:fld>
             <a:endParaRPr lang="en-US" dirty="0"/>
           </a:p>
@@ -2378,7 +2378,7 @@
           <a:p>
             <a:fld id="{7C28E9E9-B91F-400E-BE43-87BB4B5C6F4E}" type="datetime1">
               <a:rPr lang="pt-BR" smtClean="0"/>
-              <a:t>17/06/2023</a:t>
+              <a:t>26/07/2023</a:t>
             </a:fld>
             <a:endParaRPr lang="en-US" dirty="0"/>
           </a:p>
@@ -2630,7 +2630,7 @@
           <a:p>
             <a:fld id="{A9E773EA-BFD5-41D4-8CCD-2C9F67DAB481}" type="datetime1">
               <a:rPr lang="pt-BR" smtClean="0"/>
-              <a:t>17/06/2023</a:t>
+              <a:t>26/07/2023</a:t>
             </a:fld>
             <a:endParaRPr lang="pt-BR" dirty="0"/>
           </a:p>
@@ -2832,7 +2832,7 @@
           <a:p>
             <a:fld id="{DAA7C8B6-CF57-4A95-AF6C-A77E6C230ED3}" type="datetime1">
               <a:rPr lang="pt-BR" smtClean="0"/>
-              <a:t>17/06/2023</a:t>
+              <a:t>26/07/2023</a:t>
             </a:fld>
             <a:endParaRPr lang="pt-BR"/>
           </a:p>
@@ -3116,7 +3116,7 @@
           <a:p>
             <a:fld id="{34D50989-24C8-4023-9B0D-A6D249548FD9}" type="datetime1">
               <a:rPr lang="pt-BR" smtClean="0"/>
-              <a:t>17/06/2023</a:t>
+              <a:t>26/07/2023</a:t>
             </a:fld>
             <a:endParaRPr lang="pt-BR"/>
           </a:p>
@@ -3352,7 +3352,7 @@
           <a:p>
             <a:fld id="{8D9BC96A-9776-4585-A439-BC9E2DA226C1}" type="datetime1">
               <a:rPr lang="pt-BR" smtClean="0"/>
-              <a:t>17/06/2023</a:t>
+              <a:t>26/07/2023</a:t>
             </a:fld>
             <a:endParaRPr lang="pt-BR"/>
           </a:p>
@@ -3735,7 +3735,7 @@
           <a:p>
             <a:fld id="{7D12BE36-2922-4567-BD67-201EFA21BF6D}" type="datetime1">
               <a:rPr lang="pt-BR" smtClean="0"/>
-              <a:t>17/06/2023</a:t>
+              <a:t>26/07/2023</a:t>
             </a:fld>
             <a:endParaRPr lang="pt-BR"/>
           </a:p>
@@ -3847,7 +3847,7 @@
           <a:p>
             <a:fld id="{E5B462A9-4B1E-4013-BFB1-FC92225AC2F2}" type="datetime1">
               <a:rPr lang="pt-BR" smtClean="0"/>
-              <a:t>17/06/2023</a:t>
+              <a:t>26/07/2023</a:t>
             </a:fld>
             <a:endParaRPr lang="pt-BR"/>
           </a:p>
@@ -3931,7 +3931,7 @@
           <a:p>
             <a:fld id="{D0E6EC7A-67E7-4978-9BAE-C8F82A40B13B}" type="datetime1">
               <a:rPr lang="pt-BR" smtClean="0"/>
-              <a:t>17/06/2023</a:t>
+              <a:t>26/07/2023</a:t>
             </a:fld>
             <a:endParaRPr lang="pt-BR"/>
           </a:p>
@@ -4213,7 +4213,7 @@
           <a:p>
             <a:fld id="{6E085A4E-80B8-47DD-9D9B-8E1B205CBB30}" type="datetime1">
               <a:rPr lang="pt-BR" smtClean="0"/>
-              <a:t>17/06/2023</a:t>
+              <a:t>26/07/2023</a:t>
             </a:fld>
             <a:endParaRPr lang="pt-BR"/>
           </a:p>
@@ -4472,7 +4472,7 @@
           <a:p>
             <a:fld id="{F4E9A02C-D9AD-4B8C-9B93-B0980E8E86EB}" type="datetime1">
               <a:rPr lang="pt-BR" smtClean="0"/>
-              <a:t>17/06/2023</a:t>
+              <a:t>26/07/2023</a:t>
             </a:fld>
             <a:endParaRPr lang="pt-BR"/>
           </a:p>
@@ -4684,7 +4684,7 @@
           <a:p>
             <a:fld id="{202762D0-3A59-4B14-83BA-8E0FC8A60AB1}" type="datetime1">
               <a:rPr lang="pt-BR" smtClean="0"/>
-              <a:t>17/06/2023</a:t>
+              <a:t>26/07/2023</a:t>
             </a:fld>
             <a:endParaRPr lang="pt-BR"/>
           </a:p>
@@ -9026,14 +9026,14 @@
                 <a:latin typeface="Gotham HTF Light"/>
                 <a:cs typeface="Gotham HTF Light"/>
               </a:rPr>
-              <a:t>O </a:t>
+              <a:t>O Projeto </a:t>
             </a:r>
             <a:r>
               <a:rPr lang="en-US" sz="1200" dirty="0" err="1">
                 <a:latin typeface="Gotham HTF Light"/>
                 <a:cs typeface="Gotham HTF Light"/>
               </a:rPr>
-              <a:t>Projeto</a:t>
+              <a:t>será</a:t>
             </a:r>
             <a:r>
               <a:rPr lang="en-US" sz="1200" dirty="0">
@@ -9047,7 +9047,7 @@
                 <a:latin typeface="Gotham HTF Light"/>
                 <a:cs typeface="Gotham HTF Light"/>
               </a:rPr>
-              <a:t>será</a:t>
+              <a:t>desenvolvido</a:t>
             </a:r>
             <a:r>
               <a:rPr lang="en-US" sz="1200" dirty="0">
@@ -9061,7 +9061,7 @@
                 <a:latin typeface="Gotham HTF Light"/>
                 <a:cs typeface="Gotham HTF Light"/>
               </a:rPr>
-              <a:t>desenvolvido</a:t>
+              <a:t>em</a:t>
             </a:r>
             <a:r>
               <a:rPr lang="en-US" sz="1200" dirty="0">
@@ -9071,25 +9071,11 @@
               <a:t> </a:t>
             </a:r>
             <a:r>
-              <a:rPr lang="en-US" sz="1200" dirty="0" err="1">
-                <a:latin typeface="Gotham HTF Light"/>
-                <a:cs typeface="Gotham HTF Light"/>
-              </a:rPr>
-              <a:t>em</a:t>
-            </a:r>
-            <a:r>
-              <a:rPr lang="en-US" sz="1200" dirty="0">
-                <a:latin typeface="Gotham HTF Light"/>
-                <a:cs typeface="Gotham HTF Light"/>
-              </a:rPr>
-              <a:t> </a:t>
-            </a:r>
-            <a:r>
-              <a:rPr lang="en-US" sz="1200" dirty="0" err="1">
-                <a:latin typeface="Gotham HTF Light"/>
-                <a:cs typeface="Gotham HTF Light"/>
-              </a:rPr>
-              <a:t>grupo</a:t>
+              <a:rPr lang="en-US" sz="1200" b="1" dirty="0">
+                <a:latin typeface="Gotham HTF Light"/>
+                <a:cs typeface="Gotham HTF Light"/>
+              </a:rPr>
+              <a:t>GRUPOS DE ATÉ 5 PESSOAS </a:t>
             </a:r>
             <a:r>
               <a:rPr lang="en-US" sz="1200" dirty="0">
@@ -10188,7 +10174,21 @@
                 <a:latin typeface="Gotham HTF Light"/>
                 <a:cs typeface="Gotham HTF Light"/>
               </a:rPr>
-              <a:t> da montage (5,0) e </a:t>
+              <a:t> da </a:t>
+            </a:r>
+            <a:r>
+              <a:rPr lang="en-US" sz="1200" dirty="0" err="1">
+                <a:latin typeface="Gotham HTF Light"/>
+                <a:cs typeface="Gotham HTF Light"/>
+              </a:rPr>
+              <a:t>montagem</a:t>
+            </a:r>
+            <a:r>
+              <a:rPr lang="en-US" sz="1200" dirty="0">
+                <a:latin typeface="Gotham HTF Light"/>
+                <a:cs typeface="Gotham HTF Light"/>
+              </a:rPr>
+              <a:t> (5,0) e </a:t>
             </a:r>
             <a:r>
               <a:rPr lang="en-US" sz="1200" dirty="0" err="1">
@@ -11325,14 +11325,14 @@
           <p:nvPr>
             <p:extLst>
               <p:ext uri="{D42A27DB-BD31-4B8C-83A1-F6EECF244321}">
-                <p14:modId xmlns:p14="http://schemas.microsoft.com/office/powerpoint/2010/main" val="1579479882"/>
+                <p14:modId xmlns:p14="http://schemas.microsoft.com/office/powerpoint/2010/main" val="3349154353"/>
               </p:ext>
             </p:extLst>
           </p:nvPr>
         </p:nvGraphicFramePr>
         <p:xfrm>
           <a:off x="395536" y="908720"/>
-          <a:ext cx="8496944" cy="4786154"/>
+          <a:ext cx="8496944" cy="5413001"/>
         </p:xfrm>
         <a:graphic>
           <a:graphicData uri="http://schemas.openxmlformats.org/drawingml/2006/table">
@@ -11489,13 +11489,53 @@
                     <a:p>
                       <a:r>
                         <a:rPr lang="pt-BR" sz="1200" dirty="0"/>
-                        <a:t>Aula 01 – Internet das Coisas - </a:t>
+                        <a:t>Aula 01 – Internet das Coisas – </a:t>
                       </a:r>
                       <a:r>
                         <a:rPr lang="pt-BR" sz="1200" dirty="0" err="1"/>
                         <a:t>IoT</a:t>
                       </a:r>
                       <a:endParaRPr lang="pt-BR" sz="1200" dirty="0"/>
+                    </a:p>
+                    <a:p>
+                      <a:pPr marL="0" marR="0" lvl="0" indent="0" algn="l" defTabSz="914400" rtl="0" eaLnBrk="1" fontAlgn="auto" latinLnBrk="0" hangingPunct="1">
+                        <a:lnSpc>
+                          <a:spcPct val="100000"/>
+                        </a:lnSpc>
+                        <a:spcBef>
+                          <a:spcPts val="0"/>
+                        </a:spcBef>
+                        <a:spcAft>
+                          <a:spcPts val="0"/>
+                        </a:spcAft>
+                        <a:buClrTx/>
+                        <a:buSzTx/>
+                        <a:buFontTx/>
+                        <a:buNone/>
+                        <a:tabLst/>
+                        <a:defRPr/>
+                      </a:pPr>
+                      <a:r>
+                        <a:rPr lang="pt-BR" sz="1200" dirty="0">
+                          <a:solidFill>
+                            <a:srgbClr val="FF0000"/>
+                          </a:solidFill>
+                        </a:rPr>
+                        <a:t>Divulgação dos </a:t>
+                      </a:r>
+                      <a:r>
+                        <a:rPr lang="pt-BR" sz="1200" dirty="0" err="1">
+                          <a:solidFill>
+                            <a:srgbClr val="FF0000"/>
+                          </a:solidFill>
+                        </a:rPr>
+                        <a:t>CPs</a:t>
+                      </a:r>
+                      <a:endParaRPr lang="pt-BR" sz="1200" dirty="0">
+                        <a:solidFill>
+                          <a:srgbClr val="FF0000"/>
+                        </a:solidFill>
+                      </a:endParaRPr>
                     </a:p>
                   </a:txBody>
                   <a:tcPr/>
@@ -11505,7 +11545,11 @@
                     <a:bodyPr/>
                     <a:lstStyle/>
                     <a:p>
-                      <a:endParaRPr lang="pt-BR" sz="1200" dirty="0"/>
+                      <a:endParaRPr lang="pt-BR" sz="1200" dirty="0">
+                        <a:solidFill>
+                          <a:srgbClr val="FF0000"/>
+                        </a:solidFill>
+                      </a:endParaRPr>
                     </a:p>
                   </a:txBody>
                   <a:tcPr/>
@@ -11610,15 +11654,30 @@
                     <a:p>
                       <a:r>
                         <a:rPr lang="pt-BR" sz="1200" dirty="0"/>
-                        <a:t>Aula 03 – Arduino, ESP32, </a:t>
+                        <a:t>Aula 03 – Arduino e Ecossistema</a:t>
                       </a:r>
-                      <a:r>
-                        <a:rPr lang="pt-BR" sz="1200" dirty="0" err="1"/>
-                        <a:t>Raspberry</a:t>
-                      </a:r>
+                    </a:p>
+                    <a:p>
+                      <a:pPr marL="0" marR="0" lvl="0" indent="0" algn="l" defTabSz="914400" rtl="0" eaLnBrk="1" fontAlgn="auto" latinLnBrk="0" hangingPunct="1">
+                        <a:lnSpc>
+                          <a:spcPct val="100000"/>
+                        </a:lnSpc>
+                        <a:spcBef>
+                          <a:spcPts val="0"/>
+                        </a:spcBef>
+                        <a:spcAft>
+                          <a:spcPts val="0"/>
+                        </a:spcAft>
+                        <a:buClrTx/>
+                        <a:buSzTx/>
+                        <a:buFontTx/>
+                        <a:buNone/>
+                        <a:tabLst/>
+                        <a:defRPr/>
+                      </a:pPr>
                       <a:r>
                         <a:rPr lang="pt-BR" sz="1200" dirty="0"/>
-                        <a:t> e Ecossistema</a:t>
+                        <a:t>Aula 04 – Atuadores básicos – LED e LCD</a:t>
                       </a:r>
                     </a:p>
                   </a:txBody>
@@ -11676,9 +11735,26 @@
                     <a:bodyPr/>
                     <a:lstStyle/>
                     <a:p>
+                      <a:pPr marL="0" marR="0" lvl="0" indent="0" algn="l" defTabSz="914400" rtl="0" eaLnBrk="1" fontAlgn="auto" latinLnBrk="0" hangingPunct="1">
+                        <a:lnSpc>
+                          <a:spcPct val="100000"/>
+                        </a:lnSpc>
+                        <a:spcBef>
+                          <a:spcPts val="0"/>
+                        </a:spcBef>
+                        <a:spcAft>
+                          <a:spcPts val="0"/>
+                        </a:spcAft>
+                        <a:buClrTx/>
+                        <a:buSzTx/>
+                        <a:buFontTx/>
+                        <a:buNone/>
+                        <a:tabLst/>
+                        <a:defRPr/>
+                      </a:pPr>
                       <a:r>
                         <a:rPr lang="pt-BR" sz="1200" dirty="0"/>
-                        <a:t>Aula 04 – Atuadores básicos – LED e LCD</a:t>
+                        <a:t>Aula 05 – Sensores de Ambiente - luminosidade, temperatura, umidade, Presença e Distância</a:t>
                       </a:r>
                     </a:p>
                   </a:txBody>
@@ -11732,9 +11808,26 @@
                     <a:bodyPr/>
                     <a:lstStyle/>
                     <a:p>
+                      <a:pPr marL="0" marR="0" lvl="0" indent="0" algn="l" defTabSz="914400" rtl="0" eaLnBrk="1" fontAlgn="auto" latinLnBrk="0" hangingPunct="1">
+                        <a:lnSpc>
+                          <a:spcPct val="100000"/>
+                        </a:lnSpc>
+                        <a:spcBef>
+                          <a:spcPts val="0"/>
+                        </a:spcBef>
+                        <a:spcAft>
+                          <a:spcPts val="0"/>
+                        </a:spcAft>
+                        <a:buClrTx/>
+                        <a:buSzTx/>
+                        <a:buFontTx/>
+                        <a:buNone/>
+                        <a:tabLst/>
+                        <a:defRPr/>
+                      </a:pPr>
                       <a:r>
                         <a:rPr lang="pt-BR" sz="1200" dirty="0"/>
-                        <a:t>Aula 05 – Sensores de Ambiente - luminosidade, temperatura e umidade</a:t>
+                        <a:t>Aula 06 – Atuadores Avançados – Servo Motor e Motor DC</a:t>
                       </a:r>
                     </a:p>
                   </a:txBody>
@@ -11745,7 +11838,28 @@
                     <a:bodyPr/>
                     <a:lstStyle/>
                     <a:p>
-                      <a:endParaRPr lang="pt-BR" sz="1200" dirty="0"/>
+                      <a:pPr marL="0" marR="0" lvl="0" indent="0" algn="l" defTabSz="914400" rtl="0" eaLnBrk="1" fontAlgn="auto" latinLnBrk="0" hangingPunct="1">
+                        <a:lnSpc>
+                          <a:spcPct val="100000"/>
+                        </a:lnSpc>
+                        <a:spcBef>
+                          <a:spcPts val="0"/>
+                        </a:spcBef>
+                        <a:spcAft>
+                          <a:spcPts val="0"/>
+                        </a:spcAft>
+                        <a:buClrTx/>
+                        <a:buSzTx/>
+                        <a:buFontTx/>
+                        <a:buNone/>
+                        <a:tabLst/>
+                        <a:defRPr/>
+                      </a:pPr>
+                      <a:endParaRPr lang="pt-BR" sz="1200" dirty="0">
+                        <a:solidFill>
+                          <a:srgbClr val="FF0000"/>
+                        </a:solidFill>
+                      </a:endParaRPr>
                     </a:p>
                   </a:txBody>
                   <a:tcPr/>
@@ -11788,9 +11902,54 @@
                     <a:bodyPr/>
                     <a:lstStyle/>
                     <a:p>
+                      <a:pPr marL="0" marR="0" lvl="0" indent="0" algn="l" defTabSz="914400" rtl="0" eaLnBrk="1" fontAlgn="auto" latinLnBrk="0" hangingPunct="1">
+                        <a:lnSpc>
+                          <a:spcPct val="100000"/>
+                        </a:lnSpc>
+                        <a:spcBef>
+                          <a:spcPts val="0"/>
+                        </a:spcBef>
+                        <a:spcAft>
+                          <a:spcPts val="0"/>
+                        </a:spcAft>
+                        <a:buClrTx/>
+                        <a:buSzTx/>
+                        <a:buFontTx/>
+                        <a:buNone/>
+                        <a:tabLst/>
+                        <a:defRPr/>
+                      </a:pPr>
+                      <a:r>
+                        <a:rPr lang="pt-BR" sz="1200">
+                          <a:solidFill>
+                            <a:srgbClr val="FF0000"/>
+                          </a:solidFill>
+                        </a:rPr>
+                        <a:t>Entrega CP1</a:t>
+                      </a:r>
+                      <a:endParaRPr lang="pt-BR" sz="1200"/>
+                    </a:p>
+                    <a:p>
+                      <a:pPr marL="0" marR="0" lvl="0" indent="0" algn="l" defTabSz="914400" rtl="0" eaLnBrk="1" fontAlgn="auto" latinLnBrk="0" hangingPunct="1">
+                        <a:lnSpc>
+                          <a:spcPct val="100000"/>
+                        </a:lnSpc>
+                        <a:spcBef>
+                          <a:spcPts val="0"/>
+                        </a:spcBef>
+                        <a:spcAft>
+                          <a:spcPts val="0"/>
+                        </a:spcAft>
+                        <a:buClrTx/>
+                        <a:buSzTx/>
+                        <a:buFontTx/>
+                        <a:buNone/>
+                        <a:tabLst/>
+                        <a:defRPr/>
+                      </a:pPr>
                       <a:r>
                         <a:rPr lang="pt-BR" sz="1200" dirty="0"/>
-                        <a:t>Aula 06 – Sensores de Ambiente – Presença e Distância</a:t>
+                        <a:t>Aula 07 – Bluetooth</a:t>
                       </a:r>
                     </a:p>
                   </a:txBody>
@@ -11845,8 +12004,12 @@
                     <a:lstStyle/>
                     <a:p>
                       <a:r>
-                        <a:rPr lang="pt-BR" sz="1200" dirty="0"/>
-                        <a:t>Aula 07 – Atuadores Avançados – Servo Motor e Motor DC</a:t>
+                        <a:rPr lang="pt-BR" sz="1200" dirty="0">
+                          <a:solidFill>
+                            <a:schemeClr val="tx1"/>
+                          </a:solidFill>
+                        </a:rPr>
+                        <a:t>Aula 08 – WiFi</a:t>
                       </a:r>
                     </a:p>
                   </a:txBody>
@@ -11857,14 +12020,11 @@
                     <a:bodyPr/>
                     <a:lstStyle/>
                     <a:p>
-                      <a:r>
-                        <a:rPr lang="pt-BR" sz="1200" dirty="0">
-                          <a:solidFill>
-                            <a:srgbClr val="FF0000"/>
-                          </a:solidFill>
-                        </a:rPr>
-                        <a:t>Entrega CP1</a:t>
-                      </a:r>
+                      <a:endParaRPr lang="pt-BR" sz="1200" dirty="0">
+                        <a:solidFill>
+                          <a:srgbClr val="FF0000"/>
+                        </a:solidFill>
+                      </a:endParaRPr>
                     </a:p>
                   </a:txBody>
                   <a:tcPr/>
@@ -11907,9 +12067,30 @@
                     <a:bodyPr/>
                     <a:lstStyle/>
                     <a:p>
+                      <a:pPr marL="0" marR="0" lvl="0" indent="0" algn="l" defTabSz="914400" rtl="0" eaLnBrk="1" fontAlgn="auto" latinLnBrk="0" hangingPunct="1">
+                        <a:lnSpc>
+                          <a:spcPct val="100000"/>
+                        </a:lnSpc>
+                        <a:spcBef>
+                          <a:spcPts val="0"/>
+                        </a:spcBef>
+                        <a:spcAft>
+                          <a:spcPts val="0"/>
+                        </a:spcAft>
+                        <a:buClrTx/>
+                        <a:buSzTx/>
+                        <a:buFontTx/>
+                        <a:buNone/>
+                        <a:tabLst/>
+                        <a:defRPr/>
+                      </a:pPr>
                       <a:r>
-                        <a:rPr lang="pt-BR" sz="1200" dirty="0"/>
-                        <a:t>Aula 08 – Coisas na Internet – Bluetooth</a:t>
+                        <a:rPr lang="pt-BR" sz="1200" dirty="0">
+                          <a:solidFill>
+                            <a:schemeClr val="tx1"/>
+                          </a:solidFill>
+                        </a:rPr>
+                        <a:t>Aula 9 – Protocolos HTTP, NTP e MQTT</a:t>
                       </a:r>
                     </a:p>
                   </a:txBody>
@@ -11975,13 +12156,30 @@
                     <a:bodyPr/>
                     <a:lstStyle/>
                     <a:p>
+                      <a:pPr marL="0" marR="0" lvl="0" indent="0" algn="l" defTabSz="914400" rtl="0" eaLnBrk="1" fontAlgn="auto" latinLnBrk="0" hangingPunct="1">
+                        <a:lnSpc>
+                          <a:spcPct val="100000"/>
+                        </a:lnSpc>
+                        <a:spcBef>
+                          <a:spcPts val="0"/>
+                        </a:spcBef>
+                        <a:spcAft>
+                          <a:spcPts val="0"/>
+                        </a:spcAft>
+                        <a:buClrTx/>
+                        <a:buSzTx/>
+                        <a:buFontTx/>
+                        <a:buNone/>
+                        <a:tabLst/>
+                        <a:defRPr/>
+                      </a:pPr>
                       <a:r>
                         <a:rPr lang="pt-BR" sz="1200" dirty="0">
                           <a:solidFill>
-                            <a:schemeClr val="tx1"/>
+                            <a:srgbClr val="FF0000"/>
                           </a:solidFill>
                         </a:rPr>
-                        <a:t>Aula 09 – Coisas na Internet - WiFi</a:t>
+                        <a:t>Aula 10 – Entrega do CP2 (Fazer com o CP3?)</a:t>
                       </a:r>
                     </a:p>
                   </a:txBody>
@@ -11992,6 +12190,23 @@
                     <a:bodyPr/>
                     <a:lstStyle/>
                     <a:p>
+                      <a:pPr marL="0" marR="0" lvl="0" indent="0" algn="l" defTabSz="914400" rtl="0" eaLnBrk="1" fontAlgn="auto" latinLnBrk="0" hangingPunct="1">
+                        <a:lnSpc>
+                          <a:spcPct val="100000"/>
+                        </a:lnSpc>
+                        <a:spcBef>
+                          <a:spcPts val="0"/>
+                        </a:spcBef>
+                        <a:spcAft>
+                          <a:spcPts val="0"/>
+                        </a:spcAft>
+                        <a:buClrTx/>
+                        <a:buSzTx/>
+                        <a:buFontTx/>
+                        <a:buNone/>
+                        <a:tabLst/>
+                        <a:defRPr/>
+                      </a:pPr>
                       <a:endParaRPr lang="pt-BR" sz="1200" dirty="0">
                         <a:solidFill>
                           <a:srgbClr val="FF0000"/>
@@ -12036,7 +12251,7 @@
                             <a:schemeClr val="tx1"/>
                           </a:solidFill>
                         </a:rPr>
-                        <a:t>13/10</a:t>
+                        <a:t>20/10</a:t>
                       </a:r>
                     </a:p>
                   </a:txBody>
@@ -12047,13 +12262,30 @@
                     <a:bodyPr/>
                     <a:lstStyle/>
                     <a:p>
+                      <a:pPr marL="0" marR="0" lvl="0" indent="0" algn="l" defTabSz="914400" rtl="0" eaLnBrk="1" fontAlgn="auto" latinLnBrk="0" hangingPunct="1">
+                        <a:lnSpc>
+                          <a:spcPct val="100000"/>
+                        </a:lnSpc>
+                        <a:spcBef>
+                          <a:spcPts val="0"/>
+                        </a:spcBef>
+                        <a:spcAft>
+                          <a:spcPts val="0"/>
+                        </a:spcAft>
+                        <a:buClrTx/>
+                        <a:buSzTx/>
+                        <a:buFontTx/>
+                        <a:buNone/>
+                        <a:tabLst/>
+                        <a:defRPr/>
+                      </a:pPr>
                       <a:r>
                         <a:rPr lang="pt-BR" sz="1200" dirty="0">
                           <a:solidFill>
                             <a:schemeClr val="tx1"/>
                           </a:solidFill>
                         </a:rPr>
-                        <a:t>Aula 10 – Coisas na Internet – HTTP, NTP e MQTT</a:t>
+                        <a:t>Aula 11 – Plataformas IoT e Dashboards</a:t>
                       </a:r>
                     </a:p>
                   </a:txBody>
@@ -12104,7 +12336,7 @@
                             <a:schemeClr val="tx1"/>
                           </a:solidFill>
                         </a:rPr>
-                        <a:t>20/10</a:t>
+                        <a:t>27/10</a:t>
                       </a:r>
                     </a:p>
                   </a:txBody>
@@ -12115,29 +12347,30 @@
                     <a:bodyPr/>
                     <a:lstStyle/>
                     <a:p>
+                      <a:pPr marL="0" marR="0" lvl="0" indent="0" algn="l" defTabSz="914400" rtl="0" eaLnBrk="1" fontAlgn="auto" latinLnBrk="0" hangingPunct="1">
+                        <a:lnSpc>
+                          <a:spcPct val="100000"/>
+                        </a:lnSpc>
+                        <a:spcBef>
+                          <a:spcPts val="0"/>
+                        </a:spcBef>
+                        <a:spcAft>
+                          <a:spcPts val="0"/>
+                        </a:spcAft>
+                        <a:buClrTx/>
+                        <a:buSzTx/>
+                        <a:buFontTx/>
+                        <a:buNone/>
+                        <a:tabLst/>
+                        <a:defRPr/>
+                      </a:pPr>
                       <a:r>
                         <a:rPr lang="pt-BR" sz="1200" dirty="0">
                           <a:solidFill>
                             <a:schemeClr val="tx1"/>
                           </a:solidFill>
                         </a:rPr>
-                        <a:t>Aula 11 – Plataformas </a:t>
-                      </a:r>
-                      <a:r>
-                        <a:rPr lang="pt-BR" sz="1200" dirty="0" err="1">
-                          <a:solidFill>
-                            <a:schemeClr val="tx1"/>
-                          </a:solidFill>
-                        </a:rPr>
-                        <a:t>IoT</a:t>
-                      </a:r>
-                      <a:r>
-                        <a:rPr lang="pt-BR" sz="1200" dirty="0">
-                          <a:solidFill>
-                            <a:schemeClr val="tx1"/>
-                          </a:solidFill>
-                        </a:rPr>
-                        <a:t> e Dashboards</a:t>
+                        <a:t>Aula 12 – Plataformas IoT e Dashboards</a:t>
                       </a:r>
                     </a:p>
                   </a:txBody>
@@ -12192,7 +12425,7 @@
                             <a:schemeClr val="tx1"/>
                           </a:solidFill>
                         </a:rPr>
-                        <a:t>27/10</a:t>
+                        <a:t>10/11</a:t>
                       </a:r>
                     </a:p>
                   </a:txBody>
@@ -12206,10 +12439,10 @@
                       <a:r>
                         <a:rPr lang="pt-BR" sz="1200" dirty="0">
                           <a:solidFill>
-                            <a:schemeClr val="tx1"/>
+                            <a:srgbClr val="FF0000"/>
                           </a:solidFill>
                         </a:rPr>
-                        <a:t>Aula 12 – Entrega do CP2</a:t>
+                        <a:t>Aula 13 – Entrega do CP3</a:t>
                       </a:r>
                     </a:p>
                   </a:txBody>
@@ -12237,14 +12470,11 @@
                         <a:tabLst/>
                         <a:defRPr/>
                       </a:pPr>
-                      <a:r>
-                        <a:rPr lang="pt-BR" sz="1200" dirty="0">
-                          <a:solidFill>
-                            <a:srgbClr val="FF0000"/>
-                          </a:solidFill>
-                        </a:rPr>
-                        <a:t>Entrega CP2</a:t>
-                      </a:r>
+                      <a:endParaRPr lang="pt-BR" sz="1200" dirty="0">
+                        <a:solidFill>
+                          <a:srgbClr val="FF0000"/>
+                        </a:solidFill>
+                      </a:endParaRPr>
                     </a:p>
                   </a:txBody>
                   <a:tcPr/>
@@ -12284,7 +12514,7 @@
                             <a:schemeClr val="tx1"/>
                           </a:solidFill>
                         </a:rPr>
-                        <a:t>03/11</a:t>
+                        <a:t>17/11</a:t>
                       </a:r>
                     </a:p>
                   </a:txBody>
@@ -12301,8 +12531,21 @@
                             <a:schemeClr val="tx1"/>
                           </a:solidFill>
                         </a:rPr>
-                        <a:t>Aula 13 – Entrega do CP3</a:t>
+                        <a:t>Global </a:t>
                       </a:r>
+                      <a:r>
+                        <a:rPr lang="pt-BR" sz="1200" dirty="0" err="1">
+                          <a:solidFill>
+                            <a:schemeClr val="tx1"/>
+                          </a:solidFill>
+                        </a:rPr>
+                        <a:t>Solutions</a:t>
+                      </a:r>
+                      <a:endParaRPr lang="pt-BR" sz="1200" dirty="0">
+                        <a:solidFill>
+                          <a:schemeClr val="tx1"/>
+                        </a:solidFill>
+                      </a:endParaRPr>
                     </a:p>
                   </a:txBody>
                   <a:tcPr/>
@@ -12329,14 +12572,11 @@
                         <a:tabLst/>
                         <a:defRPr/>
                       </a:pPr>
-                      <a:r>
-                        <a:rPr lang="pt-BR" sz="1200" dirty="0">
-                          <a:solidFill>
-                            <a:srgbClr val="FF0000"/>
-                          </a:solidFill>
-                        </a:rPr>
-                        <a:t>Entrega CP3</a:t>
-                      </a:r>
+                      <a:endParaRPr lang="pt-BR" sz="1200" dirty="0">
+                        <a:solidFill>
+                          <a:srgbClr val="FF0000"/>
+                        </a:solidFill>
+                      </a:endParaRPr>
                     </a:p>
                   </a:txBody>
                   <a:tcPr/>
@@ -12366,7 +12606,10 @@
                     <a:bodyPr/>
                     <a:lstStyle/>
                     <a:p>
-                      <a:endParaRPr lang="pt-BR" sz="1200" dirty="0"/>
+                      <a:r>
+                        <a:rPr lang="pt-BR" sz="1200" dirty="0"/>
+                        <a:t>24/11</a:t>
+                      </a:r>
                     </a:p>
                   </a:txBody>
                   <a:tcPr/>
@@ -12376,6 +12619,14 @@
                     <a:bodyPr/>
                     <a:lstStyle/>
                     <a:p>
+                      <a:r>
+                        <a:rPr lang="pt-BR" sz="1200" dirty="0"/>
+                        <a:t>Global </a:t>
+                      </a:r>
+                      <a:r>
+                        <a:rPr lang="pt-BR" sz="1200" dirty="0" err="1"/>
+                        <a:t>Solutions</a:t>
+                      </a:r>
                       <a:endParaRPr lang="pt-BR" sz="1200" dirty="0"/>
                     </a:p>
                   </a:txBody>

--- a/IoT/Aula 00 - Aula Magna e Orientações/Aula 00 - Aula Magna e Orientações v1.pptx
+++ b/IoT/Aula 00 - Aula Magna e Orientações/Aula 00 - Aula Magna e Orientações v1.pptx
@@ -217,7 +217,7 @@
             <a:fld id="{4EA5E1ED-E65E-440E-8A4B-5F5DC973F797}" type="datetimeFigureOut">
               <a:rPr lang="pt-BR" smtClean="0"/>
               <a:pPr/>
-              <a:t>26/07/2023</a:t>
+              <a:t>06/08/2023</a:t>
             </a:fld>
             <a:endParaRPr lang="pt-BR"/>
           </a:p>
@@ -634,7 +634,7 @@
           <a:p>
             <a:fld id="{1787AD07-0C2A-424C-83EF-FCCF4A0D3BA0}" type="datetime1">
               <a:rPr lang="pt-BR" smtClean="0"/>
-              <a:t>26/07/2023</a:t>
+              <a:t>06/08/2023</a:t>
             </a:fld>
             <a:endParaRPr lang="pt-BR"/>
           </a:p>
@@ -803,7 +803,7 @@
           <a:p>
             <a:fld id="{2F92FB66-59C8-46A5-AD82-5DAAFD2DC390}" type="datetime1">
               <a:rPr lang="pt-BR" smtClean="0"/>
-              <a:t>26/07/2023</a:t>
+              <a:t>06/08/2023</a:t>
             </a:fld>
             <a:endParaRPr lang="pt-BR"/>
           </a:p>
@@ -982,7 +982,7 @@
           <a:p>
             <a:fld id="{3D5CC8D2-C61E-4471-AD68-1C0D45A8EAFC}" type="datetime1">
               <a:rPr lang="pt-BR" smtClean="0"/>
-              <a:t>26/07/2023</a:t>
+              <a:t>06/08/2023</a:t>
             </a:fld>
             <a:endParaRPr lang="pt-BR"/>
           </a:p>
@@ -1125,7 +1125,7 @@
           <a:p>
             <a:fld id="{C3E38981-C08A-4A29-B885-392FB4EE0709}" type="datetime1">
               <a:rPr lang="pt-BR" smtClean="0"/>
-              <a:t>26/07/2023</a:t>
+              <a:t>06/08/2023</a:t>
             </a:fld>
             <a:endParaRPr lang="en-US" dirty="0"/>
           </a:p>
@@ -1510,7 +1510,7 @@
           <a:p>
             <a:fld id="{2CFE63D7-5B4A-40A4-8FD4-EA63D1010EB7}" type="datetime1">
               <a:rPr lang="pt-BR" smtClean="0"/>
-              <a:t>26/07/2023</a:t>
+              <a:t>06/08/2023</a:t>
             </a:fld>
             <a:endParaRPr lang="en-US" dirty="0"/>
           </a:p>
@@ -1732,7 +1732,7 @@
           <a:p>
             <a:fld id="{A9719147-5557-4D76-A2C3-BF25882771D2}" type="datetime1">
               <a:rPr lang="pt-BR" smtClean="0"/>
-              <a:t>26/07/2023</a:t>
+              <a:t>06/08/2023</a:t>
             </a:fld>
             <a:endParaRPr lang="en-US" dirty="0"/>
           </a:p>
@@ -2045,7 +2045,7 @@
           <a:p>
             <a:fld id="{66250340-7104-44A8-88A9-88532CCE9C1C}" type="datetime1">
               <a:rPr lang="pt-BR" smtClean="0"/>
-              <a:t>26/07/2023</a:t>
+              <a:t>06/08/2023</a:t>
             </a:fld>
             <a:endParaRPr lang="en-US" dirty="0"/>
           </a:p>
@@ -2230,7 +2230,7 @@
           <a:p>
             <a:fld id="{D047EA32-7810-48BE-A9BB-EA3D8AA5AD34}" type="datetime1">
               <a:rPr lang="pt-BR" smtClean="0"/>
-              <a:t>26/07/2023</a:t>
+              <a:t>06/08/2023</a:t>
             </a:fld>
             <a:endParaRPr lang="en-US" dirty="0"/>
           </a:p>
@@ -2378,7 +2378,7 @@
           <a:p>
             <a:fld id="{7C28E9E9-B91F-400E-BE43-87BB4B5C6F4E}" type="datetime1">
               <a:rPr lang="pt-BR" smtClean="0"/>
-              <a:t>26/07/2023</a:t>
+              <a:t>06/08/2023</a:t>
             </a:fld>
             <a:endParaRPr lang="en-US" dirty="0"/>
           </a:p>
@@ -2630,7 +2630,7 @@
           <a:p>
             <a:fld id="{A9E773EA-BFD5-41D4-8CCD-2C9F67DAB481}" type="datetime1">
               <a:rPr lang="pt-BR" smtClean="0"/>
-              <a:t>26/07/2023</a:t>
+              <a:t>06/08/2023</a:t>
             </a:fld>
             <a:endParaRPr lang="pt-BR" dirty="0"/>
           </a:p>
@@ -2832,7 +2832,7 @@
           <a:p>
             <a:fld id="{DAA7C8B6-CF57-4A95-AF6C-A77E6C230ED3}" type="datetime1">
               <a:rPr lang="pt-BR" smtClean="0"/>
-              <a:t>26/07/2023</a:t>
+              <a:t>06/08/2023</a:t>
             </a:fld>
             <a:endParaRPr lang="pt-BR"/>
           </a:p>
@@ -3116,7 +3116,7 @@
           <a:p>
             <a:fld id="{34D50989-24C8-4023-9B0D-A6D249548FD9}" type="datetime1">
               <a:rPr lang="pt-BR" smtClean="0"/>
-              <a:t>26/07/2023</a:t>
+              <a:t>06/08/2023</a:t>
             </a:fld>
             <a:endParaRPr lang="pt-BR"/>
           </a:p>
@@ -3352,7 +3352,7 @@
           <a:p>
             <a:fld id="{8D9BC96A-9776-4585-A439-BC9E2DA226C1}" type="datetime1">
               <a:rPr lang="pt-BR" smtClean="0"/>
-              <a:t>26/07/2023</a:t>
+              <a:t>06/08/2023</a:t>
             </a:fld>
             <a:endParaRPr lang="pt-BR"/>
           </a:p>
@@ -3735,7 +3735,7 @@
           <a:p>
             <a:fld id="{7D12BE36-2922-4567-BD67-201EFA21BF6D}" type="datetime1">
               <a:rPr lang="pt-BR" smtClean="0"/>
-              <a:t>26/07/2023</a:t>
+              <a:t>06/08/2023</a:t>
             </a:fld>
             <a:endParaRPr lang="pt-BR"/>
           </a:p>
@@ -3847,7 +3847,7 @@
           <a:p>
             <a:fld id="{E5B462A9-4B1E-4013-BFB1-FC92225AC2F2}" type="datetime1">
               <a:rPr lang="pt-BR" smtClean="0"/>
-              <a:t>26/07/2023</a:t>
+              <a:t>06/08/2023</a:t>
             </a:fld>
             <a:endParaRPr lang="pt-BR"/>
           </a:p>
@@ -3931,7 +3931,7 @@
           <a:p>
             <a:fld id="{D0E6EC7A-67E7-4978-9BAE-C8F82A40B13B}" type="datetime1">
               <a:rPr lang="pt-BR" smtClean="0"/>
-              <a:t>26/07/2023</a:t>
+              <a:t>06/08/2023</a:t>
             </a:fld>
             <a:endParaRPr lang="pt-BR"/>
           </a:p>
@@ -4213,7 +4213,7 @@
           <a:p>
             <a:fld id="{6E085A4E-80B8-47DD-9D9B-8E1B205CBB30}" type="datetime1">
               <a:rPr lang="pt-BR" smtClean="0"/>
-              <a:t>26/07/2023</a:t>
+              <a:t>06/08/2023</a:t>
             </a:fld>
             <a:endParaRPr lang="pt-BR"/>
           </a:p>
@@ -4472,7 +4472,7 @@
           <a:p>
             <a:fld id="{F4E9A02C-D9AD-4B8C-9B93-B0980E8E86EB}" type="datetime1">
               <a:rPr lang="pt-BR" smtClean="0"/>
-              <a:t>26/07/2023</a:t>
+              <a:t>06/08/2023</a:t>
             </a:fld>
             <a:endParaRPr lang="pt-BR"/>
           </a:p>
@@ -4684,7 +4684,7 @@
           <a:p>
             <a:fld id="{202762D0-3A59-4B14-83BA-8E0FC8A60AB1}" type="datetime1">
               <a:rPr lang="pt-BR" smtClean="0"/>
-              <a:t>26/07/2023</a:t>
+              <a:t>06/08/2023</a:t>
             </a:fld>
             <a:endParaRPr lang="pt-BR"/>
           </a:p>
@@ -11325,7 +11325,7 @@
           <p:nvPr>
             <p:extLst>
               <p:ext uri="{D42A27DB-BD31-4B8C-83A1-F6EECF244321}">
-                <p14:modId xmlns:p14="http://schemas.microsoft.com/office/powerpoint/2010/main" val="3349154353"/>
+                <p14:modId xmlns:p14="http://schemas.microsoft.com/office/powerpoint/2010/main" val="3072446903"/>
               </p:ext>
             </p:extLst>
           </p:nvPr>
@@ -11920,14 +11920,14 @@
                         <a:defRPr/>
                       </a:pPr>
                       <a:r>
-                        <a:rPr lang="pt-BR" sz="1200">
+                        <a:rPr lang="pt-BR" sz="1200" dirty="0">
                           <a:solidFill>
                             <a:srgbClr val="FF0000"/>
                           </a:solidFill>
                         </a:rPr>
                         <a:t>Entrega CP1</a:t>
                       </a:r>
-                      <a:endParaRPr lang="pt-BR" sz="1200"/>
+                      <a:endParaRPr lang="pt-BR" sz="1200" dirty="0"/>
                     </a:p>
                     <a:p>
                       <a:pPr marL="0" marR="0" lvl="0" indent="0" algn="l" defTabSz="914400" rtl="0" eaLnBrk="1" fontAlgn="auto" latinLnBrk="0" hangingPunct="1">
@@ -12085,12 +12085,36 @@
                         <a:defRPr/>
                       </a:pPr>
                       <a:r>
+                        <a:rPr lang="pt-BR" sz="1200">
+                          <a:solidFill>
+                            <a:schemeClr val="tx1"/>
+                          </a:solidFill>
+                        </a:rPr>
+                        <a:t>Aula </a:t>
+                      </a:r>
+                      <a:r>
+                        <a:rPr lang="pt-BR" sz="1200" u="sng">
+                          <a:solidFill>
+                            <a:schemeClr val="tx1"/>
+                          </a:solidFill>
+                        </a:rPr>
+                        <a:t>09</a:t>
+                      </a:r>
+                      <a:r>
+                        <a:rPr lang="pt-BR" sz="1200">
+                          <a:solidFill>
+                            <a:schemeClr val="tx1"/>
+                          </a:solidFill>
+                        </a:rPr>
+                        <a:t> </a:t>
+                      </a:r>
+                      <a:r>
                         <a:rPr lang="pt-BR" sz="1200" dirty="0">
                           <a:solidFill>
                             <a:schemeClr val="tx1"/>
                           </a:solidFill>
                         </a:rPr>
-                        <a:t>Aula 9 – Protocolos HTTP, NTP e MQTT</a:t>
+                        <a:t>– Protocolos HTTP, NTP e MQTT</a:t>
                       </a:r>
                     </a:p>
                   </a:txBody>

--- a/IoT/Aula 00 - Aula Magna e Orientações/Aula 00 - Aula Magna e Orientações v1.pptx
+++ b/IoT/Aula 00 - Aula Magna e Orientações/Aula 00 - Aula Magna e Orientações v1.pptx
@@ -217,7 +217,7 @@
             <a:fld id="{4EA5E1ED-E65E-440E-8A4B-5F5DC973F797}" type="datetimeFigureOut">
               <a:rPr lang="pt-BR" smtClean="0"/>
               <a:pPr/>
-              <a:t>06/08/2023</a:t>
+              <a:t>29/08/2023</a:t>
             </a:fld>
             <a:endParaRPr lang="pt-BR"/>
           </a:p>
@@ -634,7 +634,7 @@
           <a:p>
             <a:fld id="{1787AD07-0C2A-424C-83EF-FCCF4A0D3BA0}" type="datetime1">
               <a:rPr lang="pt-BR" smtClean="0"/>
-              <a:t>06/08/2023</a:t>
+              <a:t>29/08/2023</a:t>
             </a:fld>
             <a:endParaRPr lang="pt-BR"/>
           </a:p>
@@ -803,7 +803,7 @@
           <a:p>
             <a:fld id="{2F92FB66-59C8-46A5-AD82-5DAAFD2DC390}" type="datetime1">
               <a:rPr lang="pt-BR" smtClean="0"/>
-              <a:t>06/08/2023</a:t>
+              <a:t>29/08/2023</a:t>
             </a:fld>
             <a:endParaRPr lang="pt-BR"/>
           </a:p>
@@ -982,7 +982,7 @@
           <a:p>
             <a:fld id="{3D5CC8D2-C61E-4471-AD68-1C0D45A8EAFC}" type="datetime1">
               <a:rPr lang="pt-BR" smtClean="0"/>
-              <a:t>06/08/2023</a:t>
+              <a:t>29/08/2023</a:t>
             </a:fld>
             <a:endParaRPr lang="pt-BR"/>
           </a:p>
@@ -1125,7 +1125,7 @@
           <a:p>
             <a:fld id="{C3E38981-C08A-4A29-B885-392FB4EE0709}" type="datetime1">
               <a:rPr lang="pt-BR" smtClean="0"/>
-              <a:t>06/08/2023</a:t>
+              <a:t>29/08/2023</a:t>
             </a:fld>
             <a:endParaRPr lang="en-US" dirty="0"/>
           </a:p>
@@ -1510,7 +1510,7 @@
           <a:p>
             <a:fld id="{2CFE63D7-5B4A-40A4-8FD4-EA63D1010EB7}" type="datetime1">
               <a:rPr lang="pt-BR" smtClean="0"/>
-              <a:t>06/08/2023</a:t>
+              <a:t>29/08/2023</a:t>
             </a:fld>
             <a:endParaRPr lang="en-US" dirty="0"/>
           </a:p>
@@ -1732,7 +1732,7 @@
           <a:p>
             <a:fld id="{A9719147-5557-4D76-A2C3-BF25882771D2}" type="datetime1">
               <a:rPr lang="pt-BR" smtClean="0"/>
-              <a:t>06/08/2023</a:t>
+              <a:t>29/08/2023</a:t>
             </a:fld>
             <a:endParaRPr lang="en-US" dirty="0"/>
           </a:p>
@@ -2045,7 +2045,7 @@
           <a:p>
             <a:fld id="{66250340-7104-44A8-88A9-88532CCE9C1C}" type="datetime1">
               <a:rPr lang="pt-BR" smtClean="0"/>
-              <a:t>06/08/2023</a:t>
+              <a:t>29/08/2023</a:t>
             </a:fld>
             <a:endParaRPr lang="en-US" dirty="0"/>
           </a:p>
@@ -2230,7 +2230,7 @@
           <a:p>
             <a:fld id="{D047EA32-7810-48BE-A9BB-EA3D8AA5AD34}" type="datetime1">
               <a:rPr lang="pt-BR" smtClean="0"/>
-              <a:t>06/08/2023</a:t>
+              <a:t>29/08/2023</a:t>
             </a:fld>
             <a:endParaRPr lang="en-US" dirty="0"/>
           </a:p>
@@ -2378,7 +2378,7 @@
           <a:p>
             <a:fld id="{7C28E9E9-B91F-400E-BE43-87BB4B5C6F4E}" type="datetime1">
               <a:rPr lang="pt-BR" smtClean="0"/>
-              <a:t>06/08/2023</a:t>
+              <a:t>29/08/2023</a:t>
             </a:fld>
             <a:endParaRPr lang="en-US" dirty="0"/>
           </a:p>
@@ -2630,7 +2630,7 @@
           <a:p>
             <a:fld id="{A9E773EA-BFD5-41D4-8CCD-2C9F67DAB481}" type="datetime1">
               <a:rPr lang="pt-BR" smtClean="0"/>
-              <a:t>06/08/2023</a:t>
+              <a:t>29/08/2023</a:t>
             </a:fld>
             <a:endParaRPr lang="pt-BR" dirty="0"/>
           </a:p>
@@ -2832,7 +2832,7 @@
           <a:p>
             <a:fld id="{DAA7C8B6-CF57-4A95-AF6C-A77E6C230ED3}" type="datetime1">
               <a:rPr lang="pt-BR" smtClean="0"/>
-              <a:t>06/08/2023</a:t>
+              <a:t>29/08/2023</a:t>
             </a:fld>
             <a:endParaRPr lang="pt-BR"/>
           </a:p>
@@ -3116,7 +3116,7 @@
           <a:p>
             <a:fld id="{34D50989-24C8-4023-9B0D-A6D249548FD9}" type="datetime1">
               <a:rPr lang="pt-BR" smtClean="0"/>
-              <a:t>06/08/2023</a:t>
+              <a:t>29/08/2023</a:t>
             </a:fld>
             <a:endParaRPr lang="pt-BR"/>
           </a:p>
@@ -3352,7 +3352,7 @@
           <a:p>
             <a:fld id="{8D9BC96A-9776-4585-A439-BC9E2DA226C1}" type="datetime1">
               <a:rPr lang="pt-BR" smtClean="0"/>
-              <a:t>06/08/2023</a:t>
+              <a:t>29/08/2023</a:t>
             </a:fld>
             <a:endParaRPr lang="pt-BR"/>
           </a:p>
@@ -3735,7 +3735,7 @@
           <a:p>
             <a:fld id="{7D12BE36-2922-4567-BD67-201EFA21BF6D}" type="datetime1">
               <a:rPr lang="pt-BR" smtClean="0"/>
-              <a:t>06/08/2023</a:t>
+              <a:t>29/08/2023</a:t>
             </a:fld>
             <a:endParaRPr lang="pt-BR"/>
           </a:p>
@@ -3847,7 +3847,7 @@
           <a:p>
             <a:fld id="{E5B462A9-4B1E-4013-BFB1-FC92225AC2F2}" type="datetime1">
               <a:rPr lang="pt-BR" smtClean="0"/>
-              <a:t>06/08/2023</a:t>
+              <a:t>29/08/2023</a:t>
             </a:fld>
             <a:endParaRPr lang="pt-BR"/>
           </a:p>
@@ -3931,7 +3931,7 @@
           <a:p>
             <a:fld id="{D0E6EC7A-67E7-4978-9BAE-C8F82A40B13B}" type="datetime1">
               <a:rPr lang="pt-BR" smtClean="0"/>
-              <a:t>06/08/2023</a:t>
+              <a:t>29/08/2023</a:t>
             </a:fld>
             <a:endParaRPr lang="pt-BR"/>
           </a:p>
@@ -4213,7 +4213,7 @@
           <a:p>
             <a:fld id="{6E085A4E-80B8-47DD-9D9B-8E1B205CBB30}" type="datetime1">
               <a:rPr lang="pt-BR" smtClean="0"/>
-              <a:t>06/08/2023</a:t>
+              <a:t>29/08/2023</a:t>
             </a:fld>
             <a:endParaRPr lang="pt-BR"/>
           </a:p>
@@ -4472,7 +4472,7 @@
           <a:p>
             <a:fld id="{F4E9A02C-D9AD-4B8C-9B93-B0980E8E86EB}" type="datetime1">
               <a:rPr lang="pt-BR" smtClean="0"/>
-              <a:t>06/08/2023</a:t>
+              <a:t>29/08/2023</a:t>
             </a:fld>
             <a:endParaRPr lang="pt-BR"/>
           </a:p>
@@ -4684,7 +4684,7 @@
           <a:p>
             <a:fld id="{202762D0-3A59-4B14-83BA-8E0FC8A60AB1}" type="datetime1">
               <a:rPr lang="pt-BR" smtClean="0"/>
-              <a:t>06/08/2023</a:t>
+              <a:t>29/08/2023</a:t>
             </a:fld>
             <a:endParaRPr lang="pt-BR"/>
           </a:p>
@@ -10291,36 +10291,19 @@
                 <a:latin typeface="Gotham HTF Light"/>
                 <a:cs typeface="Gotham HTF Light"/>
               </a:rPr>
-              <a:t> (5,0); </a:t>
-            </a:r>
-            <a:r>
-              <a:rPr lang="en-US" sz="1200" dirty="0" err="1">
-                <a:latin typeface="Gotham HTF Light"/>
-                <a:cs typeface="Gotham HTF Light"/>
-              </a:rPr>
-              <a:t>Incentivo</a:t>
-            </a:r>
-            <a:r>
-              <a:rPr lang="en-US" sz="1200" dirty="0">
-                <a:latin typeface="Gotham HTF Light"/>
-                <a:cs typeface="Gotham HTF Light"/>
-              </a:rPr>
-              <a:t> = 1 </a:t>
-            </a:r>
-            <a:r>
-              <a:rPr lang="en-US" sz="1200" dirty="0" err="1">
-                <a:latin typeface="Gotham HTF Light"/>
-                <a:cs typeface="Gotham HTF Light"/>
-              </a:rPr>
-              <a:t>ponto</a:t>
-            </a:r>
-            <a:r>
-              <a:rPr lang="en-US" sz="1200" dirty="0">
-                <a:latin typeface="Gotham HTF Light"/>
-                <a:cs typeface="Gotham HTF Light"/>
-              </a:rPr>
-              <a:t> no Challenge </a:t>
-            </a:r>
+              <a:t> </a:t>
+            </a:r>
+            <a:r>
+              <a:rPr lang="en-US" sz="1200">
+                <a:latin typeface="Gotham HTF Light"/>
+                <a:cs typeface="Gotham HTF Light"/>
+              </a:rPr>
+              <a:t>(5,0);</a:t>
+            </a:r>
+            <a:endParaRPr lang="en-US" sz="1200" dirty="0">
+              <a:latin typeface="Gotham HTF Light"/>
+              <a:cs typeface="Gotham HTF Light"/>
+            </a:endParaRPr>
           </a:p>
           <a:p>
             <a:pPr marL="914400" lvl="1" indent="-457200">
@@ -11325,7 +11308,7 @@
           <p:nvPr>
             <p:extLst>
               <p:ext uri="{D42A27DB-BD31-4B8C-83A1-F6EECF244321}">
-                <p14:modId xmlns:p14="http://schemas.microsoft.com/office/powerpoint/2010/main" val="3072446903"/>
+                <p14:modId xmlns:p14="http://schemas.microsoft.com/office/powerpoint/2010/main" val="705475680"/>
               </p:ext>
             </p:extLst>
           </p:nvPr>
@@ -11545,11 +11528,34 @@
                     <a:bodyPr/>
                     <a:lstStyle/>
                     <a:p>
-                      <a:endParaRPr lang="pt-BR" sz="1200" dirty="0">
-                        <a:solidFill>
-                          <a:srgbClr val="FF0000"/>
-                        </a:solidFill>
-                      </a:endParaRPr>
+                      <a:r>
+                        <a:rPr lang="pt-BR" sz="1200" dirty="0">
+                          <a:solidFill>
+                            <a:srgbClr val="FF0000"/>
+                          </a:solidFill>
+                        </a:rPr>
+                        <a:t>OK</a:t>
+                      </a:r>
+                    </a:p>
+                    <a:p>
+                      <a:r>
+                        <a:rPr lang="pt-BR" sz="1200" dirty="0">
+                          <a:solidFill>
+                            <a:srgbClr val="FF0000"/>
+                          </a:solidFill>
+                        </a:rPr>
+                        <a:t>OK</a:t>
+                      </a:r>
+                    </a:p>
+                    <a:p>
+                      <a:r>
+                        <a:rPr lang="pt-BR" sz="1200" dirty="0">
+                          <a:solidFill>
+                            <a:srgbClr val="FF0000"/>
+                          </a:solidFill>
+                        </a:rPr>
+                        <a:t>Ok</a:t>
+                      </a:r>
                     </a:p>
                   </a:txBody>
                   <a:tcPr/>
@@ -11605,11 +11611,14 @@
                     <a:bodyPr/>
                     <a:lstStyle/>
                     <a:p>
-                      <a:endParaRPr lang="pt-BR" sz="1200" dirty="0">
-                        <a:solidFill>
-                          <a:srgbClr val="FF0000"/>
-                        </a:solidFill>
-                      </a:endParaRPr>
+                      <a:r>
+                        <a:rPr lang="pt-BR" sz="1200" dirty="0">
+                          <a:solidFill>
+                            <a:srgbClr val="FF0000"/>
+                          </a:solidFill>
+                        </a:rPr>
+                        <a:t>Ok</a:t>
+                      </a:r>
                     </a:p>
                   </a:txBody>
                   <a:tcPr/>
@@ -11688,11 +11697,24 @@
                     <a:bodyPr/>
                     <a:lstStyle/>
                     <a:p>
-                      <a:endParaRPr lang="pt-BR" sz="1200" dirty="0">
-                        <a:solidFill>
-                          <a:srgbClr val="FF0000"/>
-                        </a:solidFill>
-                      </a:endParaRPr>
+                      <a:r>
+                        <a:rPr lang="pt-BR" sz="1200" dirty="0">
+                          <a:solidFill>
+                            <a:srgbClr val="FF0000"/>
+                          </a:solidFill>
+                        </a:rPr>
+                        <a:t>OK</a:t>
+                      </a:r>
+                    </a:p>
+                    <a:p>
+                      <a:r>
+                        <a:rPr lang="pt-BR" sz="1200" dirty="0">
+                          <a:solidFill>
+                            <a:srgbClr val="FF0000"/>
+                          </a:solidFill>
+                        </a:rPr>
+                        <a:t>Ok</a:t>
+                      </a:r>
                     </a:p>
                   </a:txBody>
                   <a:tcPr/>
@@ -11765,7 +11787,19 @@
                     <a:bodyPr/>
                     <a:lstStyle/>
                     <a:p>
-                      <a:endParaRPr lang="pt-BR" sz="1200" dirty="0"/>
+                      <a:r>
+                        <a:rPr lang="pt-BR" sz="1200">
+                          <a:solidFill>
+                            <a:srgbClr val="FF0000"/>
+                          </a:solidFill>
+                        </a:rPr>
+                        <a:t>OK</a:t>
+                      </a:r>
+                      <a:endParaRPr lang="pt-BR" sz="1200" dirty="0">
+                        <a:solidFill>
+                          <a:srgbClr val="FF0000"/>
+                        </a:solidFill>
+                      </a:endParaRPr>
                     </a:p>
                   </a:txBody>
                   <a:tcPr/>
@@ -11948,8 +11982,12 @@
                         <a:defRPr/>
                       </a:pPr>
                       <a:r>
-                        <a:rPr lang="pt-BR" sz="1200" dirty="0"/>
-                        <a:t>Aula 07 – Bluetooth</a:t>
+                        <a:rPr lang="pt-BR" sz="1200" dirty="0">
+                          <a:solidFill>
+                            <a:schemeClr val="tx1"/>
+                          </a:solidFill>
+                        </a:rPr>
+                        <a:t>Aula 08 – WiFi</a:t>
                       </a:r>
                     </a:p>
                   </a:txBody>
@@ -11960,7 +11998,11 @@
                     <a:bodyPr/>
                     <a:lstStyle/>
                     <a:p>
-                      <a:endParaRPr lang="pt-BR" sz="1200" dirty="0"/>
+                      <a:endParaRPr lang="pt-BR" sz="1200" dirty="0">
+                        <a:solidFill>
+                          <a:srgbClr val="FF0000"/>
+                        </a:solidFill>
+                      </a:endParaRPr>
                     </a:p>
                   </a:txBody>
                   <a:tcPr/>
@@ -12003,13 +12045,46 @@
                     <a:bodyPr/>
                     <a:lstStyle/>
                     <a:p>
+                      <a:pPr marL="0" marR="0" lvl="0" indent="0" algn="l" defTabSz="914400" rtl="0" eaLnBrk="1" fontAlgn="auto" latinLnBrk="0" hangingPunct="1">
+                        <a:lnSpc>
+                          <a:spcPct val="100000"/>
+                        </a:lnSpc>
+                        <a:spcBef>
+                          <a:spcPts val="0"/>
+                        </a:spcBef>
+                        <a:spcAft>
+                          <a:spcPts val="0"/>
+                        </a:spcAft>
+                        <a:buClrTx/>
+                        <a:buSzTx/>
+                        <a:buFontTx/>
+                        <a:buNone/>
+                        <a:tabLst/>
+                        <a:defRPr/>
+                      </a:pPr>
                       <a:r>
                         <a:rPr lang="pt-BR" sz="1200" dirty="0">
                           <a:solidFill>
                             <a:schemeClr val="tx1"/>
                           </a:solidFill>
                         </a:rPr>
-                        <a:t>Aula 08 – WiFi</a:t>
+                        <a:t>Aula </a:t>
+                      </a:r>
+                      <a:r>
+                        <a:rPr lang="pt-BR" sz="1200" u="sng" dirty="0">
+                          <a:solidFill>
+                            <a:schemeClr val="tx1"/>
+                          </a:solidFill>
+                        </a:rPr>
+                        <a:t>09</a:t>
+                      </a:r>
+                      <a:r>
+                        <a:rPr lang="pt-BR" sz="1200" dirty="0">
+                          <a:solidFill>
+                            <a:schemeClr val="tx1"/>
+                          </a:solidFill>
+                        </a:rPr>
+                        <a:t> – Protocolos HTTP, NTP e MQTT</a:t>
                       </a:r>
                     </a:p>
                   </a:txBody>
@@ -12085,36 +12160,12 @@
                         <a:defRPr/>
                       </a:pPr>
                       <a:r>
-                        <a:rPr lang="pt-BR" sz="1200">
-                          <a:solidFill>
-                            <a:schemeClr val="tx1"/>
-                          </a:solidFill>
-                        </a:rPr>
-                        <a:t>Aula </a:t>
-                      </a:r>
-                      <a:r>
-                        <a:rPr lang="pt-BR" sz="1200" u="sng">
-                          <a:solidFill>
-                            <a:schemeClr val="tx1"/>
-                          </a:solidFill>
-                        </a:rPr>
-                        <a:t>09</a:t>
-                      </a:r>
-                      <a:r>
-                        <a:rPr lang="pt-BR" sz="1200">
-                          <a:solidFill>
-                            <a:schemeClr val="tx1"/>
-                          </a:solidFill>
-                        </a:rPr>
-                        <a:t> </a:t>
-                      </a:r>
-                      <a:r>
                         <a:rPr lang="pt-BR" sz="1200" dirty="0">
                           <a:solidFill>
                             <a:schemeClr val="tx1"/>
                           </a:solidFill>
                         </a:rPr>
-                        <a:t>– Protocolos HTTP, NTP e MQTT</a:t>
+                        <a:t>Aula 11 – Plataformas IoT e Dashboards</a:t>
                       </a:r>
                     </a:p>
                   </a:txBody>
@@ -12309,7 +12360,7 @@
                             <a:schemeClr val="tx1"/>
                           </a:solidFill>
                         </a:rPr>
-                        <a:t>Aula 11 – Plataformas IoT e Dashboards</a:t>
+                        <a:t>Aula 12 – Plataformas IoT e Dashboards</a:t>
                       </a:r>
                     </a:p>
                   </a:txBody>
@@ -12320,7 +12371,11 @@
                     <a:bodyPr/>
                     <a:lstStyle/>
                     <a:p>
-                      <a:endParaRPr lang="pt-BR" sz="1200" dirty="0"/>
+                      <a:endParaRPr lang="pt-BR" sz="1200" dirty="0">
+                        <a:solidFill>
+                          <a:srgbClr val="FF0000"/>
+                        </a:solidFill>
+                      </a:endParaRPr>
                     </a:p>
                   </a:txBody>
                   <a:tcPr/>
@@ -12389,12 +12444,8 @@
                         <a:defRPr/>
                       </a:pPr>
                       <a:r>
-                        <a:rPr lang="pt-BR" sz="1200" dirty="0">
-                          <a:solidFill>
-                            <a:schemeClr val="tx1"/>
-                          </a:solidFill>
-                        </a:rPr>
-                        <a:t>Aula 12 – Plataformas IoT e Dashboards</a:t>
+                        <a:rPr lang="pt-BR" sz="1200" strike="sngStrike" baseline="0"/>
+                        <a:t>Aula 07 – Bluetooth</a:t>
                       </a:r>
                     </a:p>
                   </a:txBody>
@@ -12460,6 +12511,23 @@
                     <a:bodyPr/>
                     <a:lstStyle/>
                     <a:p>
+                      <a:pPr marL="0" marR="0" lvl="0" indent="0" algn="l" defTabSz="914400" rtl="0" eaLnBrk="1" fontAlgn="auto" latinLnBrk="0" hangingPunct="1">
+                        <a:lnSpc>
+                          <a:spcPct val="100000"/>
+                        </a:lnSpc>
+                        <a:spcBef>
+                          <a:spcPts val="0"/>
+                        </a:spcBef>
+                        <a:spcAft>
+                          <a:spcPts val="0"/>
+                        </a:spcAft>
+                        <a:buClrTx/>
+                        <a:buSzTx/>
+                        <a:buFontTx/>
+                        <a:buNone/>
+                        <a:tabLst/>
+                        <a:defRPr/>
+                      </a:pPr>
                       <a:r>
                         <a:rPr lang="pt-BR" sz="1200" dirty="0">
                           <a:solidFill>

--- a/IoT/Aula 00 - Aula Magna e Orientações/Aula 00 - Aula Magna e Orientações v1.pptx
+++ b/IoT/Aula 00 - Aula Magna e Orientações/Aula 00 - Aula Magna e Orientações v1.pptx
@@ -217,7 +217,7 @@
             <a:fld id="{4EA5E1ED-E65E-440E-8A4B-5F5DC973F797}" type="datetimeFigureOut">
               <a:rPr lang="pt-BR" smtClean="0"/>
               <a:pPr/>
-              <a:t>29/08/2023</a:t>
+              <a:t>28/09/2023</a:t>
             </a:fld>
             <a:endParaRPr lang="pt-BR"/>
           </a:p>
@@ -634,7 +634,7 @@
           <a:p>
             <a:fld id="{1787AD07-0C2A-424C-83EF-FCCF4A0D3BA0}" type="datetime1">
               <a:rPr lang="pt-BR" smtClean="0"/>
-              <a:t>29/08/2023</a:t>
+              <a:t>28/09/2023</a:t>
             </a:fld>
             <a:endParaRPr lang="pt-BR"/>
           </a:p>
@@ -803,7 +803,7 @@
           <a:p>
             <a:fld id="{2F92FB66-59C8-46A5-AD82-5DAAFD2DC390}" type="datetime1">
               <a:rPr lang="pt-BR" smtClean="0"/>
-              <a:t>29/08/2023</a:t>
+              <a:t>28/09/2023</a:t>
             </a:fld>
             <a:endParaRPr lang="pt-BR"/>
           </a:p>
@@ -982,7 +982,7 @@
           <a:p>
             <a:fld id="{3D5CC8D2-C61E-4471-AD68-1C0D45A8EAFC}" type="datetime1">
               <a:rPr lang="pt-BR" smtClean="0"/>
-              <a:t>29/08/2023</a:t>
+              <a:t>28/09/2023</a:t>
             </a:fld>
             <a:endParaRPr lang="pt-BR"/>
           </a:p>
@@ -1125,7 +1125,7 @@
           <a:p>
             <a:fld id="{C3E38981-C08A-4A29-B885-392FB4EE0709}" type="datetime1">
               <a:rPr lang="pt-BR" smtClean="0"/>
-              <a:t>29/08/2023</a:t>
+              <a:t>28/09/2023</a:t>
             </a:fld>
             <a:endParaRPr lang="en-US" dirty="0"/>
           </a:p>
@@ -1510,7 +1510,7 @@
           <a:p>
             <a:fld id="{2CFE63D7-5B4A-40A4-8FD4-EA63D1010EB7}" type="datetime1">
               <a:rPr lang="pt-BR" smtClean="0"/>
-              <a:t>29/08/2023</a:t>
+              <a:t>28/09/2023</a:t>
             </a:fld>
             <a:endParaRPr lang="en-US" dirty="0"/>
           </a:p>
@@ -1732,7 +1732,7 @@
           <a:p>
             <a:fld id="{A9719147-5557-4D76-A2C3-BF25882771D2}" type="datetime1">
               <a:rPr lang="pt-BR" smtClean="0"/>
-              <a:t>29/08/2023</a:t>
+              <a:t>28/09/2023</a:t>
             </a:fld>
             <a:endParaRPr lang="en-US" dirty="0"/>
           </a:p>
@@ -2045,7 +2045,7 @@
           <a:p>
             <a:fld id="{66250340-7104-44A8-88A9-88532CCE9C1C}" type="datetime1">
               <a:rPr lang="pt-BR" smtClean="0"/>
-              <a:t>29/08/2023</a:t>
+              <a:t>28/09/2023</a:t>
             </a:fld>
             <a:endParaRPr lang="en-US" dirty="0"/>
           </a:p>
@@ -2230,7 +2230,7 @@
           <a:p>
             <a:fld id="{D047EA32-7810-48BE-A9BB-EA3D8AA5AD34}" type="datetime1">
               <a:rPr lang="pt-BR" smtClean="0"/>
-              <a:t>29/08/2023</a:t>
+              <a:t>28/09/2023</a:t>
             </a:fld>
             <a:endParaRPr lang="en-US" dirty="0"/>
           </a:p>
@@ -2378,7 +2378,7 @@
           <a:p>
             <a:fld id="{7C28E9E9-B91F-400E-BE43-87BB4B5C6F4E}" type="datetime1">
               <a:rPr lang="pt-BR" smtClean="0"/>
-              <a:t>29/08/2023</a:t>
+              <a:t>28/09/2023</a:t>
             </a:fld>
             <a:endParaRPr lang="en-US" dirty="0"/>
           </a:p>
@@ -2630,7 +2630,7 @@
           <a:p>
             <a:fld id="{A9E773EA-BFD5-41D4-8CCD-2C9F67DAB481}" type="datetime1">
               <a:rPr lang="pt-BR" smtClean="0"/>
-              <a:t>29/08/2023</a:t>
+              <a:t>28/09/2023</a:t>
             </a:fld>
             <a:endParaRPr lang="pt-BR" dirty="0"/>
           </a:p>
@@ -2832,7 +2832,7 @@
           <a:p>
             <a:fld id="{DAA7C8B6-CF57-4A95-AF6C-A77E6C230ED3}" type="datetime1">
               <a:rPr lang="pt-BR" smtClean="0"/>
-              <a:t>29/08/2023</a:t>
+              <a:t>28/09/2023</a:t>
             </a:fld>
             <a:endParaRPr lang="pt-BR"/>
           </a:p>
@@ -3116,7 +3116,7 @@
           <a:p>
             <a:fld id="{34D50989-24C8-4023-9B0D-A6D249548FD9}" type="datetime1">
               <a:rPr lang="pt-BR" smtClean="0"/>
-              <a:t>29/08/2023</a:t>
+              <a:t>28/09/2023</a:t>
             </a:fld>
             <a:endParaRPr lang="pt-BR"/>
           </a:p>
@@ -3352,7 +3352,7 @@
           <a:p>
             <a:fld id="{8D9BC96A-9776-4585-A439-BC9E2DA226C1}" type="datetime1">
               <a:rPr lang="pt-BR" smtClean="0"/>
-              <a:t>29/08/2023</a:t>
+              <a:t>28/09/2023</a:t>
             </a:fld>
             <a:endParaRPr lang="pt-BR"/>
           </a:p>
@@ -3735,7 +3735,7 @@
           <a:p>
             <a:fld id="{7D12BE36-2922-4567-BD67-201EFA21BF6D}" type="datetime1">
               <a:rPr lang="pt-BR" smtClean="0"/>
-              <a:t>29/08/2023</a:t>
+              <a:t>28/09/2023</a:t>
             </a:fld>
             <a:endParaRPr lang="pt-BR"/>
           </a:p>
@@ -3847,7 +3847,7 @@
           <a:p>
             <a:fld id="{E5B462A9-4B1E-4013-BFB1-FC92225AC2F2}" type="datetime1">
               <a:rPr lang="pt-BR" smtClean="0"/>
-              <a:t>29/08/2023</a:t>
+              <a:t>28/09/2023</a:t>
             </a:fld>
             <a:endParaRPr lang="pt-BR"/>
           </a:p>
@@ -3931,7 +3931,7 @@
           <a:p>
             <a:fld id="{D0E6EC7A-67E7-4978-9BAE-C8F82A40B13B}" type="datetime1">
               <a:rPr lang="pt-BR" smtClean="0"/>
-              <a:t>29/08/2023</a:t>
+              <a:t>28/09/2023</a:t>
             </a:fld>
             <a:endParaRPr lang="pt-BR"/>
           </a:p>
@@ -4213,7 +4213,7 @@
           <a:p>
             <a:fld id="{6E085A4E-80B8-47DD-9D9B-8E1B205CBB30}" type="datetime1">
               <a:rPr lang="pt-BR" smtClean="0"/>
-              <a:t>29/08/2023</a:t>
+              <a:t>28/09/2023</a:t>
             </a:fld>
             <a:endParaRPr lang="pt-BR"/>
           </a:p>
@@ -4472,7 +4472,7 @@
           <a:p>
             <a:fld id="{F4E9A02C-D9AD-4B8C-9B93-B0980E8E86EB}" type="datetime1">
               <a:rPr lang="pt-BR" smtClean="0"/>
-              <a:t>29/08/2023</a:t>
+              <a:t>28/09/2023</a:t>
             </a:fld>
             <a:endParaRPr lang="pt-BR"/>
           </a:p>
@@ -4684,7 +4684,7 @@
           <a:p>
             <a:fld id="{202762D0-3A59-4B14-83BA-8E0FC8A60AB1}" type="datetime1">
               <a:rPr lang="pt-BR" smtClean="0"/>
-              <a:t>29/08/2023</a:t>
+              <a:t>28/09/2023</a:t>
             </a:fld>
             <a:endParaRPr lang="pt-BR"/>
           </a:p>
@@ -11308,7 +11308,7 @@
           <p:nvPr>
             <p:extLst>
               <p:ext uri="{D42A27DB-BD31-4B8C-83A1-F6EECF244321}">
-                <p14:modId xmlns:p14="http://schemas.microsoft.com/office/powerpoint/2010/main" val="705475680"/>
+                <p14:modId xmlns:p14="http://schemas.microsoft.com/office/powerpoint/2010/main" val="1213888302"/>
               </p:ext>
             </p:extLst>
           </p:nvPr>
@@ -11889,11 +11889,14 @@
                         <a:tabLst/>
                         <a:defRPr/>
                       </a:pPr>
-                      <a:endParaRPr lang="pt-BR" sz="1200" dirty="0">
-                        <a:solidFill>
-                          <a:srgbClr val="FF0000"/>
-                        </a:solidFill>
-                      </a:endParaRPr>
+                      <a:r>
+                        <a:rPr lang="pt-BR" sz="1200" dirty="0">
+                          <a:solidFill>
+                            <a:srgbClr val="FF0000"/>
+                          </a:solidFill>
+                        </a:rPr>
+                        <a:t>OK</a:t>
+                      </a:r>
                     </a:p>
                   </a:txBody>
                   <a:tcPr/>
@@ -11998,11 +12001,24 @@
                     <a:bodyPr/>
                     <a:lstStyle/>
                     <a:p>
-                      <a:endParaRPr lang="pt-BR" sz="1200" dirty="0">
-                        <a:solidFill>
-                          <a:srgbClr val="FF0000"/>
-                        </a:solidFill>
-                      </a:endParaRPr>
+                      <a:r>
+                        <a:rPr lang="pt-BR" sz="1200" dirty="0">
+                          <a:solidFill>
+                            <a:srgbClr val="FF0000"/>
+                          </a:solidFill>
+                        </a:rPr>
+                        <a:t>OK</a:t>
+                      </a:r>
+                    </a:p>
+                    <a:p>
+                      <a:r>
+                        <a:rPr lang="pt-BR" sz="1200" dirty="0">
+                          <a:solidFill>
+                            <a:srgbClr val="FF0000"/>
+                          </a:solidFill>
+                        </a:rPr>
+                        <a:t>OK</a:t>
+                      </a:r>
                     </a:p>
                   </a:txBody>
                   <a:tcPr/>
@@ -12095,11 +12111,14 @@
                     <a:bodyPr/>
                     <a:lstStyle/>
                     <a:p>
-                      <a:endParaRPr lang="pt-BR" sz="1200" dirty="0">
-                        <a:solidFill>
-                          <a:srgbClr val="FF0000"/>
-                        </a:solidFill>
-                      </a:endParaRPr>
+                      <a:r>
+                        <a:rPr lang="pt-BR" sz="1200" dirty="0">
+                          <a:solidFill>
+                            <a:srgbClr val="FF0000"/>
+                          </a:solidFill>
+                        </a:rPr>
+                        <a:t>OK</a:t>
+                      </a:r>
                     </a:p>
                   </a:txBody>
                   <a:tcPr/>
